--- a/Presentación de Resultados - Nicolas Rivera Garzón.pptx
+++ b/Presentación de Resultados - Nicolas Rivera Garzón.pptx
@@ -131,7 +131,7 @@
   <pc:docChgLst>
     <pc:chgData name="Nicolás Rivera Garzón" userId="883a40b329ae121e" providerId="LiveId" clId="{CD9CC487-3EBD-4B69-A036-D5A1F78789CC}"/>
     <pc:docChg chg="undo custSel addSld delSld modSld">
-      <pc:chgData name="Nicolás Rivera Garzón" userId="883a40b329ae121e" providerId="LiveId" clId="{CD9CC487-3EBD-4B69-A036-D5A1F78789CC}" dt="2023-12-19T00:08:49.932" v="2422" actId="20577"/>
+      <pc:chgData name="Nicolás Rivera Garzón" userId="883a40b329ae121e" providerId="LiveId" clId="{CD9CC487-3EBD-4B69-A036-D5A1F78789CC}" dt="2023-12-19T01:55:18.387" v="2505" actId="20577"/>
       <pc:docMkLst>
         <pc:docMk/>
       </pc:docMkLst>
@@ -576,7 +576,7 @@
         </pc:picChg>
       </pc:sldChg>
       <pc:sldChg chg="addSp delSp modSp new mod setBg">
-        <pc:chgData name="Nicolás Rivera Garzón" userId="883a40b329ae121e" providerId="LiveId" clId="{CD9CC487-3EBD-4B69-A036-D5A1F78789CC}" dt="2023-12-18T03:44:27.530" v="1053" actId="20577"/>
+        <pc:chgData name="Nicolás Rivera Garzón" userId="883a40b329ae121e" providerId="LiveId" clId="{CD9CC487-3EBD-4B69-A036-D5A1F78789CC}" dt="2023-12-19T01:55:18.387" v="2505" actId="20577"/>
         <pc:sldMkLst>
           <pc:docMk/>
           <pc:sldMk cId="521375360" sldId="262"/>
@@ -590,7 +590,7 @@
           </ac:spMkLst>
         </pc:spChg>
         <pc:spChg chg="add mod">
-          <ac:chgData name="Nicolás Rivera Garzón" userId="883a40b329ae121e" providerId="LiveId" clId="{CD9CC487-3EBD-4B69-A036-D5A1F78789CC}" dt="2023-12-18T03:44:27.530" v="1053" actId="20577"/>
+          <ac:chgData name="Nicolás Rivera Garzón" userId="883a40b329ae121e" providerId="LiveId" clId="{CD9CC487-3EBD-4B69-A036-D5A1F78789CC}" dt="2023-12-19T01:55:18.387" v="2505" actId="20577"/>
           <ac:spMkLst>
             <pc:docMk/>
             <pc:sldMk cId="521375360" sldId="262"/>
@@ -5833,7 +5833,7 @@
         </p:spPr>
         <p:txBody>
           <a:bodyPr vert="horz" lIns="91440" tIns="45720" rIns="91440" bIns="45720" rtlCol="0">
-            <a:normAutofit lnSpcReduction="10000"/>
+            <a:normAutofit fontScale="92500"/>
           </a:bodyPr>
           <a:lstStyle>
             <a:lvl1pPr marL="228600" indent="-228600" algn="l" defTabSz="914400" rtl="0" eaLnBrk="1" latinLnBrk="0" hangingPunct="1">
@@ -6074,7 +6074,7 @@
                   <a:schemeClr val="tx1"/>
                 </a:solidFill>
               </a:rPr>
-              <a:t>Con este modelo se obtienen los pronósticos para octubre 2023 a diciembre 2024. </a:t>
+              <a:t>Con este modelo se obtienen los pronósticos para octubre 2023 a diciembre 2024. Se pronostican exportaciones NME por US$19.714 millones.</a:t>
             </a:r>
           </a:p>
           <a:p>
